--- a/documentation/VirtualMap.pptx
+++ b/documentation/VirtualMap.pptx
@@ -5,17 +5,18 @@
     <p:sldMasterId id="2147483696" r:id="rId4"/>
   </p:sldMasterIdLst>
   <p:notesMasterIdLst>
-    <p:notesMasterId r:id="rId13"/>
+    <p:notesMasterId r:id="rId14"/>
   </p:notesMasterIdLst>
   <p:sldIdLst>
     <p:sldId id="306" r:id="rId5"/>
     <p:sldId id="307" r:id="rId6"/>
-    <p:sldId id="314" r:id="rId7"/>
-    <p:sldId id="315" r:id="rId8"/>
-    <p:sldId id="308" r:id="rId9"/>
-    <p:sldId id="311" r:id="rId10"/>
-    <p:sldId id="316" r:id="rId11"/>
-    <p:sldId id="312" r:id="rId12"/>
+    <p:sldId id="317" r:id="rId7"/>
+    <p:sldId id="314" r:id="rId8"/>
+    <p:sldId id="315" r:id="rId9"/>
+    <p:sldId id="308" r:id="rId10"/>
+    <p:sldId id="311" r:id="rId11"/>
+    <p:sldId id="316" r:id="rId12"/>
+    <p:sldId id="312" r:id="rId13"/>
   </p:sldIdLst>
   <p:sldSz cx="12192000" cy="6858000"/>
   <p:notesSz cx="6858000" cy="9144000"/>
@@ -226,7 +227,7 @@
           <a:p>
             <a:fld id="{5EA28068-AFBD-4979-B752-9EB6F90B1386}" type="datetimeFigureOut">
               <a:rPr lang="en-US" smtClean="0"/>
-              <a:t>5/9/2022</a:t>
+              <a:t>5/10/2022</a:t>
             </a:fld>
             <a:endParaRPr lang="en-US" dirty="0"/>
           </a:p>
@@ -11257,6 +11258,74 @@
           </a:p>
         </p:txBody>
       </p:sp>
+      <p:sp>
+        <p:nvSpPr>
+          <p:cNvPr id="4" name="TextBox 3">
+            <a:extLst>
+              <a:ext uri="{FF2B5EF4-FFF2-40B4-BE49-F238E27FC236}">
+                <a16:creationId xmlns:a16="http://schemas.microsoft.com/office/drawing/2014/main" id="{CA5A4879-13F0-41DA-DE4F-9BAB61D759FD}"/>
+              </a:ext>
+            </a:extLst>
+          </p:cNvPr>
+          <p:cNvSpPr txBox="1"/>
+          <p:nvPr/>
+        </p:nvSpPr>
+        <p:spPr>
+          <a:xfrm>
+            <a:off x="1366815" y="3445833"/>
+            <a:ext cx="7059338" cy="738664"/>
+          </a:xfrm>
+          <a:prstGeom prst="rect">
+            <a:avLst/>
+          </a:prstGeom>
+          <a:noFill/>
+        </p:spPr>
+        <p:txBody>
+          <a:bodyPr wrap="square" rtlCol="0">
+            <a:spAutoFit/>
+          </a:bodyPr>
+          <a:lstStyle/>
+          <a:p>
+            <a:r>
+              <a:rPr lang="ru-RU" sz="2100" dirty="0">
+                <a:solidFill>
+                  <a:schemeClr val="bg1"/>
+                </a:solidFill>
+              </a:rPr>
+              <a:t>Сайт созданный на языке </a:t>
+            </a:r>
+            <a:r>
+              <a:rPr lang="en-US" sz="2100" dirty="0">
+                <a:solidFill>
+                  <a:schemeClr val="bg1"/>
+                </a:solidFill>
+              </a:rPr>
+              <a:t>Python </a:t>
+            </a:r>
+            <a:r>
+              <a:rPr lang="ru-RU" sz="2100" dirty="0">
+                <a:solidFill>
+                  <a:schemeClr val="bg1"/>
+                </a:solidFill>
+              </a:rPr>
+              <a:t>с использованием веб-фреймворка </a:t>
+            </a:r>
+            <a:r>
+              <a:rPr lang="en-US" sz="2100" dirty="0">
+                <a:solidFill>
+                  <a:schemeClr val="bg1"/>
+                </a:solidFill>
+              </a:rPr>
+              <a:t>flask</a:t>
+            </a:r>
+            <a:endParaRPr lang="ru-KZ" sz="2100" dirty="0">
+              <a:solidFill>
+                <a:schemeClr val="bg1"/>
+              </a:solidFill>
+            </a:endParaRPr>
+          </a:p>
+        </p:txBody>
+      </p:sp>
     </p:spTree>
     <p:extLst>
       <p:ext uri="{BB962C8B-B14F-4D97-AF65-F5344CB8AC3E}">
@@ -11521,7 +11590,7 @@
           <p:cNvPr id="3" name="Title 2">
             <a:extLst>
               <a:ext uri="{FF2B5EF4-FFF2-40B4-BE49-F238E27FC236}">
-                <a16:creationId xmlns:a16="http://schemas.microsoft.com/office/drawing/2014/main" id="{0E68D841-FC58-6B12-2994-F34DB321898D}"/>
+                <a16:creationId xmlns:a16="http://schemas.microsoft.com/office/drawing/2014/main" id="{73E284BD-6033-1FD5-6FDB-08B00C453B06}"/>
               </a:ext>
             </a:extLst>
           </p:cNvPr>
@@ -11534,8 +11603,8 @@
         </p:nvSpPr>
         <p:spPr>
           <a:xfrm>
-            <a:off x="1298961" y="1545430"/>
-            <a:ext cx="3858342" cy="1151319"/>
+            <a:off x="1432218" y="246168"/>
+            <a:ext cx="8549982" cy="2276856"/>
           </a:xfrm>
         </p:spPr>
         <p:txBody>
@@ -11544,7 +11613,7 @@
           <a:p>
             <a:r>
               <a:rPr lang="ru-RU" dirty="0"/>
-              <a:t>Задачи</a:t>
+              <a:t>Цель проекта</a:t>
             </a:r>
             <a:endParaRPr lang="ru-KZ" dirty="0"/>
           </a:p>
@@ -11555,7 +11624,7 @@
           <p:cNvPr id="5" name="Footer Placeholder 4">
             <a:extLst>
               <a:ext uri="{FF2B5EF4-FFF2-40B4-BE49-F238E27FC236}">
-                <a16:creationId xmlns:a16="http://schemas.microsoft.com/office/drawing/2014/main" id="{F0FBD5FF-A550-7619-25AB-A19E8F7A9CFC}"/>
+                <a16:creationId xmlns:a16="http://schemas.microsoft.com/office/drawing/2014/main" id="{95ABE0B0-C11A-52EA-6E66-03D0A24D8920}"/>
               </a:ext>
             </a:extLst>
           </p:cNvPr>
@@ -11583,7 +11652,7 @@
           <p:cNvPr id="6" name="Slide Number Placeholder 5">
             <a:extLst>
               <a:ext uri="{FF2B5EF4-FFF2-40B4-BE49-F238E27FC236}">
-                <a16:creationId xmlns:a16="http://schemas.microsoft.com/office/drawing/2014/main" id="{1E3F8875-F50D-EA38-A203-EB411E110EDB}"/>
+                <a16:creationId xmlns:a16="http://schemas.microsoft.com/office/drawing/2014/main" id="{D8BD51AA-A77F-3D19-0E79-5C11C47F82A7}"/>
               </a:ext>
             </a:extLst>
           </p:cNvPr>
@@ -11613,7 +11682,7 @@
           <p:cNvPr id="7" name="Text Placeholder 6">
             <a:extLst>
               <a:ext uri="{FF2B5EF4-FFF2-40B4-BE49-F238E27FC236}">
-                <a16:creationId xmlns:a16="http://schemas.microsoft.com/office/drawing/2014/main" id="{E39AC229-250E-3276-C93B-FD93040036D3}"/>
+                <a16:creationId xmlns:a16="http://schemas.microsoft.com/office/drawing/2014/main" id="{6D8C9CD1-09C7-3AE9-884D-47B02A560026}"/>
               </a:ext>
             </a:extLst>
           </p:cNvPr>
@@ -11626,6 +11695,177 @@
         </p:nvSpPr>
         <p:spPr>
           <a:xfrm>
+            <a:off x="1204957" y="2880995"/>
+            <a:ext cx="9831851" cy="3364357"/>
+          </a:xfrm>
+        </p:spPr>
+        <p:txBody>
+          <a:bodyPr>
+            <a:normAutofit/>
+          </a:bodyPr>
+          <a:lstStyle/>
+          <a:p>
+            <a:pPr>
+              <a:lnSpc>
+                <a:spcPct val="150000"/>
+              </a:lnSpc>
+            </a:pPr>
+            <a:r>
+              <a:rPr lang="ru-RU" sz="3500" dirty="0"/>
+              <a:t>Создать веб-сайт с удобным интерфейсом</a:t>
+            </a:r>
+            <a:r>
+              <a:rPr lang="en-US" sz="3500" dirty="0"/>
+              <a:t> </a:t>
+            </a:r>
+            <a:r>
+              <a:rPr lang="ru-RU" sz="3500" dirty="0"/>
+              <a:t>и большим функционалом для получения информации об Акжаикском районе и его выходцев.</a:t>
+            </a:r>
+            <a:endParaRPr lang="ru-KZ" sz="3500" dirty="0"/>
+          </a:p>
+        </p:txBody>
+      </p:sp>
+    </p:spTree>
+    <p:extLst>
+      <p:ext uri="{BB962C8B-B14F-4D97-AF65-F5344CB8AC3E}">
+        <p14:creationId xmlns:p14="http://schemas.microsoft.com/office/powerpoint/2010/main" val="2530845270"/>
+      </p:ext>
+    </p:extLst>
+  </p:cSld>
+  <p:clrMapOvr>
+    <a:masterClrMapping/>
+  </p:clrMapOvr>
+</p:sld>
+</file>
+
+<file path=ppt/slides/slide4.xml><?xml version="1.0" encoding="utf-8"?>
+<p:sld xmlns:a="http://schemas.openxmlformats.org/drawingml/2006/main" xmlns:r="http://schemas.openxmlformats.org/officeDocument/2006/relationships" xmlns:p="http://schemas.openxmlformats.org/presentationml/2006/main">
+  <p:cSld>
+    <p:spTree>
+      <p:nvGrpSpPr>
+        <p:cNvPr id="1" name=""/>
+        <p:cNvGrpSpPr/>
+        <p:nvPr/>
+      </p:nvGrpSpPr>
+      <p:grpSpPr>
+        <a:xfrm>
+          <a:off x="0" y="0"/>
+          <a:ext cx="0" cy="0"/>
+          <a:chOff x="0" y="0"/>
+          <a:chExt cx="0" cy="0"/>
+        </a:xfrm>
+      </p:grpSpPr>
+      <p:sp>
+        <p:nvSpPr>
+          <p:cNvPr id="3" name="Title 2">
+            <a:extLst>
+              <a:ext uri="{FF2B5EF4-FFF2-40B4-BE49-F238E27FC236}">
+                <a16:creationId xmlns:a16="http://schemas.microsoft.com/office/drawing/2014/main" id="{0E68D841-FC58-6B12-2994-F34DB321898D}"/>
+              </a:ext>
+            </a:extLst>
+          </p:cNvPr>
+          <p:cNvSpPr>
+            <a:spLocks noGrp="1"/>
+          </p:cNvSpPr>
+          <p:nvPr>
+            <p:ph type="title"/>
+          </p:nvPr>
+        </p:nvSpPr>
+        <p:spPr>
+          <a:xfrm>
+            <a:off x="1298961" y="1545430"/>
+            <a:ext cx="3858342" cy="1151319"/>
+          </a:xfrm>
+        </p:spPr>
+        <p:txBody>
+          <a:bodyPr/>
+          <a:lstStyle/>
+          <a:p>
+            <a:r>
+              <a:rPr lang="ru-RU" dirty="0"/>
+              <a:t>Задачи</a:t>
+            </a:r>
+            <a:endParaRPr lang="ru-KZ" dirty="0"/>
+          </a:p>
+        </p:txBody>
+      </p:sp>
+      <p:sp>
+        <p:nvSpPr>
+          <p:cNvPr id="5" name="Footer Placeholder 4">
+            <a:extLst>
+              <a:ext uri="{FF2B5EF4-FFF2-40B4-BE49-F238E27FC236}">
+                <a16:creationId xmlns:a16="http://schemas.microsoft.com/office/drawing/2014/main" id="{F0FBD5FF-A550-7619-25AB-A19E8F7A9CFC}"/>
+              </a:ext>
+            </a:extLst>
+          </p:cNvPr>
+          <p:cNvSpPr>
+            <a:spLocks noGrp="1"/>
+          </p:cNvSpPr>
+          <p:nvPr>
+            <p:ph type="ftr" sz="quarter" idx="11"/>
+          </p:nvPr>
+        </p:nvSpPr>
+        <p:spPr/>
+        <p:txBody>
+          <a:bodyPr/>
+          <a:lstStyle/>
+          <a:p>
+            <a:r>
+              <a:rPr lang="en-US" dirty="0"/>
+              <a:t>virtualmap</a:t>
+            </a:r>
+          </a:p>
+        </p:txBody>
+      </p:sp>
+      <p:sp>
+        <p:nvSpPr>
+          <p:cNvPr id="6" name="Slide Number Placeholder 5">
+            <a:extLst>
+              <a:ext uri="{FF2B5EF4-FFF2-40B4-BE49-F238E27FC236}">
+                <a16:creationId xmlns:a16="http://schemas.microsoft.com/office/drawing/2014/main" id="{1E3F8875-F50D-EA38-A203-EB411E110EDB}"/>
+              </a:ext>
+            </a:extLst>
+          </p:cNvPr>
+          <p:cNvSpPr>
+            <a:spLocks noGrp="1"/>
+          </p:cNvSpPr>
+          <p:nvPr>
+            <p:ph type="sldNum" sz="quarter" idx="12"/>
+          </p:nvPr>
+        </p:nvSpPr>
+        <p:spPr/>
+        <p:txBody>
+          <a:bodyPr/>
+          <a:lstStyle/>
+          <a:p>
+            <a:fld id="{D8DA9DAA-006C-4F4B-980E-E3DF019B24E2}" type="slidenum">
+              <a:rPr lang="en-US" smtClean="0"/>
+              <a:pPr/>
+              <a:t>4</a:t>
+            </a:fld>
+            <a:endParaRPr lang="en-US" dirty="0"/>
+          </a:p>
+        </p:txBody>
+      </p:sp>
+      <p:sp>
+        <p:nvSpPr>
+          <p:cNvPr id="7" name="Text Placeholder 6">
+            <a:extLst>
+              <a:ext uri="{FF2B5EF4-FFF2-40B4-BE49-F238E27FC236}">
+                <a16:creationId xmlns:a16="http://schemas.microsoft.com/office/drawing/2014/main" id="{E39AC229-250E-3276-C93B-FD93040036D3}"/>
+              </a:ext>
+            </a:extLst>
+          </p:cNvPr>
+          <p:cNvSpPr>
+            <a:spLocks noGrp="1"/>
+          </p:cNvSpPr>
+          <p:nvPr>
+            <p:ph type="body" sz="quarter" idx="13"/>
+          </p:nvPr>
+        </p:nvSpPr>
+        <p:spPr>
+          <a:xfrm>
             <a:off x="1503249" y="3429000"/>
             <a:ext cx="7308107" cy="3118104"/>
           </a:xfrm>
@@ -11662,7 +11902,7 @@
             </a:pPr>
             <a:r>
               <a:rPr lang="ru-RU" sz="2100" dirty="0"/>
-              <a:t>Создать базу данных для хранения всей информации и возможности расширения сайта</a:t>
+              <a:t>Создать базу данных для хранения всей информации и дальнейшей возможности расширения сайта</a:t>
             </a:r>
             <a:endParaRPr lang="ru-KZ" sz="2100" dirty="0"/>
           </a:p>
@@ -11681,7 +11921,7 @@
 </p:sld>
 </file>
 
-<file path=ppt/slides/slide4.xml><?xml version="1.0" encoding="utf-8"?>
+<file path=ppt/slides/slide5.xml><?xml version="1.0" encoding="utf-8"?>
 <p:sld xmlns:a="http://schemas.openxmlformats.org/drawingml/2006/main" xmlns:r="http://schemas.openxmlformats.org/officeDocument/2006/relationships" xmlns:p="http://schemas.openxmlformats.org/presentationml/2006/main">
   <p:cSld>
     <p:bg>
@@ -12638,7 +12878,7 @@
                   <a:spcPts val="600"/>
                 </a:spcAft>
               </a:pPr>
-              <a:t>4</a:t>
+              <a:t>5</a:t>
             </a:fld>
             <a:endParaRPr lang="en-US">
               <a:solidFill>
@@ -12723,7 +12963,7 @@
 </p:sld>
 </file>
 
-<file path=ppt/slides/slide5.xml><?xml version="1.0" encoding="utf-8"?>
+<file path=ppt/slides/slide6.xml><?xml version="1.0" encoding="utf-8"?>
 <p:sld xmlns:a="http://schemas.openxmlformats.org/drawingml/2006/main" xmlns:r="http://schemas.openxmlformats.org/officeDocument/2006/relationships" xmlns:p="http://schemas.openxmlformats.org/presentationml/2006/main">
   <p:cSld>
     <p:bg>
@@ -13455,36 +13695,6 @@
           </a:p>
         </p:txBody>
       </p:sp>
-      <p:pic>
-        <p:nvPicPr>
-          <p:cNvPr id="7" name="Picture 6">
-            <a:extLst>
-              <a:ext uri="{FF2B5EF4-FFF2-40B4-BE49-F238E27FC236}">
-                <a16:creationId xmlns:a16="http://schemas.microsoft.com/office/drawing/2014/main" id="{DDADB20B-5D33-174D-20F7-B4FB19D31446}"/>
-              </a:ext>
-            </a:extLst>
-          </p:cNvPr>
-          <p:cNvPicPr>
-            <a:picLocks noChangeAspect="1"/>
-          </p:cNvPicPr>
-          <p:nvPr/>
-        </p:nvPicPr>
-        <p:blipFill>
-          <a:blip r:embed="rId2"/>
-          <a:stretch>
-            <a:fillRect/>
-          </a:stretch>
-        </p:blipFill>
-        <p:spPr>
-          <a:xfrm>
-            <a:off x="623622" y="2259337"/>
-            <a:ext cx="6389160" cy="3450145"/>
-          </a:xfrm>
-          <a:prstGeom prst="rect">
-            <a:avLst/>
-          </a:prstGeom>
-        </p:spPr>
-      </p:pic>
       <p:sp>
         <p:nvSpPr>
           <p:cNvPr id="4" name="Content Placeholder 3">
@@ -13610,12 +13820,59 @@
                   <a:spcPts val="600"/>
                 </a:spcAft>
               </a:pPr>
-              <a:t>5</a:t>
+              <a:t>6</a:t>
             </a:fld>
             <a:endParaRPr lang="en-US"/>
           </a:p>
         </p:txBody>
       </p:sp>
+      <p:pic>
+        <p:nvPicPr>
+          <p:cNvPr id="1026" name="Picture 2">
+            <a:extLst>
+              <a:ext uri="{FF2B5EF4-FFF2-40B4-BE49-F238E27FC236}">
+                <a16:creationId xmlns:a16="http://schemas.microsoft.com/office/drawing/2014/main" id="{E20818BD-2637-A06A-DA59-68E9F144DF08}"/>
+              </a:ext>
+            </a:extLst>
+          </p:cNvPr>
+          <p:cNvPicPr>
+            <a:picLocks noChangeAspect="1" noChangeArrowheads="1"/>
+          </p:cNvPicPr>
+          <p:nvPr/>
+        </p:nvPicPr>
+        <p:blipFill>
+          <a:blip r:embed="rId2">
+            <a:extLst>
+              <a:ext uri="{28A0092B-C50C-407E-A947-70E740481C1C}">
+                <a14:useLocalDpi xmlns:a14="http://schemas.microsoft.com/office/drawing/2010/main" val="0"/>
+              </a:ext>
+            </a:extLst>
+          </a:blip>
+          <a:srcRect/>
+          <a:stretch>
+            <a:fillRect/>
+          </a:stretch>
+        </p:blipFill>
+        <p:spPr bwMode="auto">
+          <a:xfrm>
+            <a:off x="1276799" y="1707859"/>
+            <a:ext cx="4342271" cy="4451498"/>
+          </a:xfrm>
+          <a:prstGeom prst="rect">
+            <a:avLst/>
+          </a:prstGeom>
+          <a:noFill/>
+          <a:extLst>
+            <a:ext uri="{909E8E84-426E-40DD-AFC4-6F175D3DCCD1}">
+              <a14:hiddenFill xmlns:a14="http://schemas.microsoft.com/office/drawing/2010/main">
+                <a:solidFill>
+                  <a:srgbClr val="FFFFFF"/>
+                </a:solidFill>
+              </a14:hiddenFill>
+            </a:ext>
+          </a:extLst>
+        </p:spPr>
+      </p:pic>
     </p:spTree>
     <p:extLst>
       <p:ext uri="{BB962C8B-B14F-4D97-AF65-F5344CB8AC3E}">
@@ -13629,7 +13886,7 @@
 </p:sld>
 </file>
 
-<file path=ppt/slides/slide6.xml><?xml version="1.0" encoding="utf-8"?>
+<file path=ppt/slides/slide7.xml><?xml version="1.0" encoding="utf-8"?>
 <p:sld xmlns:a="http://schemas.openxmlformats.org/drawingml/2006/main" xmlns:r="http://schemas.openxmlformats.org/officeDocument/2006/relationships" xmlns:p="http://schemas.openxmlformats.org/presentationml/2006/main">
   <p:cSld>
     <p:spTree>
@@ -13706,7 +13963,7 @@
         </p:spPr>
         <p:txBody>
           <a:bodyPr>
-            <a:normAutofit fontScale="92500"/>
+            <a:normAutofit fontScale="92500" lnSpcReduction="10000"/>
           </a:bodyPr>
           <a:lstStyle/>
           <a:p>
@@ -13754,7 +14011,7 @@
             </a:pPr>
             <a:r>
               <a:rPr lang="ru-RU" dirty="0"/>
-              <a:t>Таблица с известными личностями</a:t>
+              <a:t>Таблица с известными личностями из Акжаикского района</a:t>
             </a:r>
           </a:p>
           <a:p>
@@ -13764,7 +14021,7 @@
             </a:pPr>
             <a:r>
               <a:rPr lang="ru-RU" dirty="0"/>
-              <a:t>Вспомогательная таблица с координатами каждой точки</a:t>
+              <a:t>Вспомогательная таблица с координатами каждого округа</a:t>
             </a:r>
           </a:p>
           <a:p>
@@ -13784,7 +14041,7 @@
             </a:pPr>
             <a:r>
               <a:rPr lang="ru-RU" dirty="0"/>
-              <a:t>Таблица с данными о зарегестрированных пользователях</a:t>
+              <a:t>Таблица с данными о зарегистрированных пользователях</a:t>
             </a:r>
             <a:endParaRPr lang="en-US" dirty="0"/>
           </a:p>
@@ -13842,7 +14099,7 @@
             <a:fld id="{D8DA9DAA-006C-4F4B-980E-E3DF019B24E2}" type="slidenum">
               <a:rPr lang="en-US" smtClean="0"/>
               <a:pPr/>
-              <a:t>6</a:t>
+              <a:t>7</a:t>
             </a:fld>
             <a:endParaRPr lang="en-US" dirty="0"/>
           </a:p>
@@ -13891,7 +14148,7 @@
 </p:sld>
 </file>
 
-<file path=ppt/slides/slide7.xml><?xml version="1.0" encoding="utf-8"?>
+<file path=ppt/slides/slide8.xml><?xml version="1.0" encoding="utf-8"?>
 <p:sld xmlns:a="http://schemas.openxmlformats.org/drawingml/2006/main" xmlns:r="http://schemas.openxmlformats.org/officeDocument/2006/relationships" xmlns:p="http://schemas.openxmlformats.org/presentationml/2006/main">
   <p:cSld>
     <p:bg>
@@ -14304,7 +14561,7 @@
                   <a:spcPts val="600"/>
                 </a:spcAft>
               </a:pPr>
-              <a:t>7</a:t>
+              <a:t>8</a:t>
             </a:fld>
             <a:endParaRPr lang="en-US">
               <a:solidFill>
@@ -15378,7 +15635,7 @@
 </p:sld>
 </file>
 
-<file path=ppt/slides/slide8.xml><?xml version="1.0" encoding="utf-8"?>
+<file path=ppt/slides/slide9.xml><?xml version="1.0" encoding="utf-8"?>
 <p:sld xmlns:a="http://schemas.openxmlformats.org/drawingml/2006/main" xmlns:r="http://schemas.openxmlformats.org/officeDocument/2006/relationships" xmlns:p="http://schemas.openxmlformats.org/presentationml/2006/main">
   <p:cSld>
     <p:spTree>
@@ -15419,7 +15676,7 @@
             <a:fld id="{D8DA9DAA-006C-4F4B-980E-E3DF019B24E2}" type="slidenum">
               <a:rPr lang="en-US" smtClean="0"/>
               <a:pPr/>
-              <a:t>8</a:t>
+              <a:t>9</a:t>
             </a:fld>
             <a:endParaRPr lang="en-US" dirty="0"/>
           </a:p>
@@ -16091,21 +16348,21 @@
 </file>
 
 <file path=customXml/item1.xml><?xml version="1.0" encoding="utf-8"?>
+<?mso-contentType ?>
+<FormTemplates xmlns="http://schemas.microsoft.com/sharepoint/v3/contenttype/forms">
+  <Display>DocumentLibraryForm</Display>
+  <Edit>DocumentLibraryForm</Edit>
+  <New>DocumentLibraryForm</New>
+</FormTemplates>
+</file>
+
+<file path=customXml/item2.xml><?xml version="1.0" encoding="utf-8"?>
 <p:properties xmlns:p="http://schemas.microsoft.com/office/2006/metadata/properties" xmlns:xsi="http://www.w3.org/2001/XMLSchema-instance" xmlns:pc="http://schemas.microsoft.com/office/infopath/2007/PartnerControls">
   <documentManagement>
     <Status xmlns="71af3243-3dd4-4a8d-8c0d-dd76da1f02a5">Not started</Status>
     <MediaServiceKeyPoints xmlns="71af3243-3dd4-4a8d-8c0d-dd76da1f02a5" xsi:nil="true"/>
   </documentManagement>
 </p:properties>
-</file>
-
-<file path=customXml/item2.xml><?xml version="1.0" encoding="utf-8"?>
-<?mso-contentType ?>
-<FormTemplates xmlns="http://schemas.microsoft.com/sharepoint/v3/contenttype/forms">
-  <Display>DocumentLibraryForm</Display>
-  <Edit>DocumentLibraryForm</Edit>
-  <New>DocumentLibraryForm</New>
-</FormTemplates>
 </file>
 
 <file path=customXml/item3.xml><?xml version="1.0" encoding="utf-8"?>
@@ -16330,19 +16587,19 @@
 </file>
 
 <file path=customXml/itemProps1.xml><?xml version="1.0" encoding="utf-8"?>
+<ds:datastoreItem xmlns:ds="http://schemas.openxmlformats.org/officeDocument/2006/customXml" ds:itemID="{3C8E00D1-8EA3-4E42-801D-0253E1EAFC21}">
+  <ds:schemaRefs>
+    <ds:schemaRef ds:uri="http://schemas.microsoft.com/sharepoint/v3/contenttype/forms"/>
+  </ds:schemaRefs>
+</ds:datastoreItem>
+</file>
+
+<file path=customXml/itemProps2.xml><?xml version="1.0" encoding="utf-8"?>
 <ds:datastoreItem xmlns:ds="http://schemas.openxmlformats.org/officeDocument/2006/customXml" ds:itemID="{99919F73-B6C2-4A43-95E2-833EC48925FE}">
   <ds:schemaRefs>
     <ds:schemaRef ds:uri="http://schemas.microsoft.com/office/2006/metadata/properties"/>
     <ds:schemaRef ds:uri="http://schemas.microsoft.com/office/infopath/2007/PartnerControls"/>
     <ds:schemaRef ds:uri="71af3243-3dd4-4a8d-8c0d-dd76da1f02a5"/>
-  </ds:schemaRefs>
-</ds:datastoreItem>
-</file>
-
-<file path=customXml/itemProps2.xml><?xml version="1.0" encoding="utf-8"?>
-<ds:datastoreItem xmlns:ds="http://schemas.openxmlformats.org/officeDocument/2006/customXml" ds:itemID="{3C8E00D1-8EA3-4E42-801D-0253E1EAFC21}">
-  <ds:schemaRefs>
-    <ds:schemaRef ds:uri="http://schemas.microsoft.com/sharepoint/v3/contenttype/forms"/>
   </ds:schemaRefs>
 </ds:datastoreItem>
 </file>

--- a/documentation/VirtualMap.pptx
+++ b/documentation/VirtualMap.pptx
@@ -11292,7 +11292,7 @@
                   <a:schemeClr val="bg1"/>
                 </a:solidFill>
               </a:rPr>
-              <a:t>Сайт созданный на языке </a:t>
+              <a:t>Веб-сайт созданный на языке </a:t>
             </a:r>
             <a:r>
               <a:rPr lang="en-US" sz="2100" dirty="0">
@@ -11308,7 +11308,7 @@
                   <a:schemeClr val="bg1"/>
                 </a:solidFill>
               </a:rPr>
-              <a:t>с использованием веб-фреймворка </a:t>
+              <a:t>с использованием фреймворка </a:t>
             </a:r>
             <a:r>
               <a:rPr lang="en-US" sz="2100" dirty="0">
@@ -11712,7 +11712,7 @@
             </a:pPr>
             <a:r>
               <a:rPr lang="ru-RU" sz="3500" dirty="0"/>
-              <a:t>Создать веб-сайт с удобным интерфейсом</a:t>
+              <a:t>Создать веб приложение с удобным интерфейсом</a:t>
             </a:r>
             <a:r>
               <a:rPr lang="en-US" sz="3500" dirty="0"/>
